--- a/Projetos de Software/Aula 06 - Introdução à POO/Introdução ao POO.pptx
+++ b/Projetos de Software/Aula 06 - Introdução à POO/Introdução ao POO.pptx
@@ -234,7 +234,7 @@
           <a:p>
             <a:fld id="{FCBB45FB-FC1C-4893-B550-48C1193193C6}" type="datetimeFigureOut">
               <a:rPr lang="pt-BR" smtClean="0"/>
-              <a:t>04/01/2025</a:t>
+              <a:t>09/03/2025</a:t>
             </a:fld>
             <a:endParaRPr lang="pt-BR"/>
           </a:p>
@@ -937,7 +937,7 @@
           <a:p>
             <a:fld id="{CDD55C27-F8C6-4481-8569-CAC50CAE9F1F}" type="datetimeFigureOut">
               <a:rPr lang="pt-BR" smtClean="0"/>
-              <a:t>04/01/2025</a:t>
+              <a:t>09/03/2025</a:t>
             </a:fld>
             <a:endParaRPr lang="pt-BR"/>
           </a:p>
@@ -1427,7 +1427,7 @@
           <a:p>
             <a:fld id="{CDD55C27-F8C6-4481-8569-CAC50CAE9F1F}" type="datetimeFigureOut">
               <a:rPr lang="pt-BR" smtClean="0"/>
-              <a:t>04/01/2025</a:t>
+              <a:t>09/03/2025</a:t>
             </a:fld>
             <a:endParaRPr lang="pt-BR"/>
           </a:p>
@@ -1730,7 +1730,7 @@
           <a:p>
             <a:fld id="{CDD55C27-F8C6-4481-8569-CAC50CAE9F1F}" type="datetimeFigureOut">
               <a:rPr lang="pt-BR" smtClean="0"/>
-              <a:t>04/01/2025</a:t>
+              <a:t>09/03/2025</a:t>
             </a:fld>
             <a:endParaRPr lang="pt-BR"/>
           </a:p>
@@ -2181,7 +2181,7 @@
           <a:p>
             <a:fld id="{CDD55C27-F8C6-4481-8569-CAC50CAE9F1F}" type="datetimeFigureOut">
               <a:rPr lang="pt-BR" smtClean="0"/>
-              <a:t>04/01/2025</a:t>
+              <a:t>09/03/2025</a:t>
             </a:fld>
             <a:endParaRPr lang="pt-BR"/>
           </a:p>
@@ -2354,7 +2354,7 @@
           <a:p>
             <a:fld id="{CDD55C27-F8C6-4481-8569-CAC50CAE9F1F}" type="datetimeFigureOut">
               <a:rPr lang="pt-BR" smtClean="0"/>
-              <a:t>04/01/2025</a:t>
+              <a:t>09/03/2025</a:t>
             </a:fld>
             <a:endParaRPr lang="pt-BR"/>
           </a:p>
@@ -2491,7 +2491,7 @@
           <a:p>
             <a:fld id="{CDD55C27-F8C6-4481-8569-CAC50CAE9F1F}" type="datetimeFigureOut">
               <a:rPr lang="pt-BR" smtClean="0"/>
-              <a:t>04/01/2025</a:t>
+              <a:t>09/03/2025</a:t>
             </a:fld>
             <a:endParaRPr lang="pt-BR"/>
           </a:p>
@@ -2835,7 +2835,7 @@
           <a:p>
             <a:fld id="{CDD55C27-F8C6-4481-8569-CAC50CAE9F1F}" type="datetimeFigureOut">
               <a:rPr lang="pt-BR" smtClean="0"/>
-              <a:t>04/01/2025</a:t>
+              <a:t>09/03/2025</a:t>
             </a:fld>
             <a:endParaRPr lang="pt-BR"/>
           </a:p>
@@ -3156,7 +3156,7 @@
           <a:p>
             <a:fld id="{CDD55C27-F8C6-4481-8569-CAC50CAE9F1F}" type="datetimeFigureOut">
               <a:rPr lang="pt-BR" smtClean="0"/>
-              <a:t>04/01/2025</a:t>
+              <a:t>09/03/2025</a:t>
             </a:fld>
             <a:endParaRPr lang="pt-BR"/>
           </a:p>
@@ -10792,16 +10792,12 @@
               <a:buAutoNum type="arabicPeriod" startAt="2"/>
             </a:pPr>
             <a:r>
+              <a:rPr lang="pt-BR"/>
+              <a:t>Crie um programa </a:t>
+            </a:r>
+            <a:r>
               <a:rPr lang="pt-BR" dirty="0"/>
-              <a:t>Crie </a:t>
-            </a:r>
-            <a:r>
-              <a:rPr lang="pt-BR" dirty="0" err="1"/>
-              <a:t>umprograma</a:t>
-            </a:r>
-            <a:r>
-              <a:rPr lang="pt-BR" dirty="0"/>
-              <a:t> chamado </a:t>
+              <a:t>chamado </a:t>
             </a:r>
             <a:r>
               <a:rPr lang="pt-BR" b="1" dirty="0" err="1"/>
